--- a/講座資料/ゲーム開発講座１.pptx
+++ b/講座資料/ゲーム開発講座１.pptx
@@ -23,6 +23,11 @@
     <p:sldId id="271" r:id="rId17"/>
     <p:sldId id="272" r:id="rId18"/>
     <p:sldId id="273" r:id="rId19"/>
+    <p:sldId id="274" r:id="rId20"/>
+    <p:sldId id="275" r:id="rId21"/>
+    <p:sldId id="276" r:id="rId22"/>
+    <p:sldId id="277" r:id="rId23"/>
+    <p:sldId id="278" r:id="rId24"/>
   </p:sldIdLst>
   <p:sldSz cx="12192000" cy="6858000"/>
   <p:notesSz cx="6858000" cy="9144000"/>
@@ -121,6 +126,11 @@
       </a:defRPr>
     </a:lvl9pPr>
   </p:defaultTextStyle>
+  <p:extLst>
+    <p:ext uri="{EFAFB233-063F-42B5-8137-9DF3F51BA10A}">
+      <p15:sldGuideLst xmlns:p15="http://schemas.microsoft.com/office/powerpoint/2012/main"/>
+    </p:ext>
+  </p:extLst>
 </p:presentation>
 </file>
 
@@ -3322,15 +3332,15 @@
             </a:r>
             <a:r>
               <a:rPr kumimoji="1" lang="ja-JP" altLang="en-US" dirty="0" smtClean="0"/>
-              <a:t>バージョン管理の方法と</a:t>
-            </a:r>
-            <a:r>
-              <a:rPr kumimoji="1" lang="en-US" altLang="ja-JP" dirty="0" smtClean="0"/>
-              <a:t>Unity</a:t>
+              <a:t>バージョン管理の</a:t>
             </a:r>
             <a:r>
               <a:rPr kumimoji="1" lang="ja-JP" altLang="en-US" dirty="0" smtClean="0"/>
-              <a:t>のセットアップー</a:t>
+              <a:t>方法</a:t>
+            </a:r>
+            <a:r>
+              <a:rPr kumimoji="1" lang="ja-JP" altLang="en-US" dirty="0" err="1" smtClean="0"/>
+              <a:t>ー</a:t>
             </a:r>
             <a:endParaRPr kumimoji="1" lang="ja-JP" altLang="en-US" dirty="0"/>
           </a:p>
@@ -4442,19 +4452,171 @@
             <p:ph idx="1"/>
           </p:nvPr>
         </p:nvSpPr>
-        <p:spPr/>
-        <p:txBody>
-          <a:bodyPr/>
-          <a:lstStyle/>
-          <a:p>
+        <p:spPr>
+          <a:xfrm>
+            <a:off x="838200" y="1825625"/>
+            <a:ext cx="10515600" cy="1160856"/>
+          </a:xfrm>
+        </p:spPr>
+        <p:txBody>
+          <a:bodyPr>
+            <a:normAutofit fontScale="92500"/>
+          </a:bodyPr>
+          <a:lstStyle/>
+          <a:p>
+            <a:r>
+              <a:rPr kumimoji="1" lang="ja-JP" altLang="en-US" dirty="0" smtClean="0"/>
+              <a:t>プッシュ（リポジトリへのアップロード）</a:t>
+            </a:r>
+            <a:endParaRPr kumimoji="1" lang="en-US" altLang="ja-JP" dirty="0" smtClean="0"/>
+          </a:p>
+          <a:p>
+            <a:pPr marL="0" indent="0">
+              <a:buNone/>
+            </a:pPr>
+            <a:r>
+              <a:rPr lang="ja-JP" altLang="en-US" dirty="0" smtClean="0"/>
+              <a:t>１．コミットするとプッシュに数字がつくので、その状態でプッシュを押す</a:t>
+            </a:r>
             <a:endParaRPr kumimoji="1" lang="ja-JP" altLang="en-US" dirty="0"/>
           </a:p>
         </p:txBody>
       </p:sp>
+      <p:pic>
+        <p:nvPicPr>
+          <p:cNvPr id="4" name="図 3"/>
+          <p:cNvPicPr>
+            <a:picLocks noChangeAspect="1"/>
+          </p:cNvPicPr>
+          <p:nvPr/>
+        </p:nvPicPr>
+        <p:blipFill>
+          <a:blip r:embed="rId2"/>
+          <a:stretch>
+            <a:fillRect/>
+          </a:stretch>
+        </p:blipFill>
+        <p:spPr>
+          <a:xfrm>
+            <a:off x="2841717" y="3109141"/>
+            <a:ext cx="5752731" cy="3384376"/>
+          </a:xfrm>
+          <a:prstGeom prst="rect">
+            <a:avLst/>
+          </a:prstGeom>
+        </p:spPr>
+      </p:pic>
     </p:spTree>
     <p:extLst>
       <p:ext uri="{BB962C8B-B14F-4D97-AF65-F5344CB8AC3E}">
         <p14:creationId xmlns:p14="http://schemas.microsoft.com/office/powerpoint/2010/main" val="33539244"/>
+      </p:ext>
+    </p:extLst>
+  </p:cSld>
+  <p:clrMapOvr>
+    <a:masterClrMapping/>
+  </p:clrMapOvr>
+</p:sld>
+</file>
+
+<file path=ppt/slides/slide19.xml><?xml version="1.0" encoding="utf-8"?>
+<p:sld xmlns:a="http://schemas.openxmlformats.org/drawingml/2006/main" xmlns:r="http://schemas.openxmlformats.org/officeDocument/2006/relationships" xmlns:p="http://schemas.openxmlformats.org/presentationml/2006/main">
+  <p:cSld>
+    <p:spTree>
+      <p:nvGrpSpPr>
+        <p:cNvPr id="1" name=""/>
+        <p:cNvGrpSpPr/>
+        <p:nvPr/>
+      </p:nvGrpSpPr>
+      <p:grpSpPr>
+        <a:xfrm>
+          <a:off x="0" y="0"/>
+          <a:ext cx="0" cy="0"/>
+          <a:chOff x="0" y="0"/>
+          <a:chExt cx="0" cy="0"/>
+        </a:xfrm>
+      </p:grpSpPr>
+      <p:sp>
+        <p:nvSpPr>
+          <p:cNvPr id="2" name="タイトル 1"/>
+          <p:cNvSpPr>
+            <a:spLocks noGrp="1"/>
+          </p:cNvSpPr>
+          <p:nvPr>
+            <p:ph type="title"/>
+          </p:nvPr>
+        </p:nvSpPr>
+        <p:spPr/>
+        <p:txBody>
+          <a:bodyPr/>
+          <a:lstStyle/>
+          <a:p>
+            <a:r>
+              <a:rPr lang="en-US" altLang="ja-JP" dirty="0" err="1"/>
+              <a:t>SourceTree</a:t>
+            </a:r>
+            <a:r>
+              <a:rPr lang="ja-JP" altLang="en-US" dirty="0"/>
+              <a:t>を使う</a:t>
+            </a:r>
+            <a:endParaRPr kumimoji="1" lang="ja-JP" altLang="en-US" dirty="0"/>
+          </a:p>
+        </p:txBody>
+      </p:sp>
+      <p:sp>
+        <p:nvSpPr>
+          <p:cNvPr id="3" name="コンテンツ プレースホルダー 2"/>
+          <p:cNvSpPr>
+            <a:spLocks noGrp="1"/>
+          </p:cNvSpPr>
+          <p:nvPr>
+            <p:ph idx="1"/>
+          </p:nvPr>
+        </p:nvSpPr>
+        <p:spPr/>
+        <p:txBody>
+          <a:bodyPr/>
+          <a:lstStyle/>
+          <a:p>
+            <a:r>
+              <a:rPr kumimoji="1" lang="ja-JP" altLang="en-US" dirty="0" smtClean="0"/>
+              <a:t>フェッチ（更新の問い合わせ）</a:t>
+            </a:r>
+            <a:endParaRPr kumimoji="1" lang="en-US" altLang="ja-JP" dirty="0" smtClean="0"/>
+          </a:p>
+          <a:p>
+            <a:pPr marL="0" indent="0">
+              <a:buNone/>
+            </a:pPr>
+            <a:r>
+              <a:rPr lang="ja-JP" altLang="en-US" dirty="0" smtClean="0"/>
+              <a:t>１．フェッチを押し、更新があるとプルに数字がつく</a:t>
+            </a:r>
+            <a:endParaRPr lang="en-US" altLang="ja-JP" dirty="0" smtClean="0"/>
+          </a:p>
+          <a:p>
+            <a:r>
+              <a:rPr kumimoji="1" lang="ja-JP" altLang="en-US" dirty="0" smtClean="0"/>
+              <a:t>プル（更新のダウンロード）</a:t>
+            </a:r>
+            <a:endParaRPr kumimoji="1" lang="en-US" altLang="ja-JP" dirty="0" smtClean="0"/>
+          </a:p>
+          <a:p>
+            <a:pPr marL="0" indent="0">
+              <a:buNone/>
+            </a:pPr>
+            <a:r>
+              <a:rPr lang="ja-JP" altLang="en-US" dirty="0" smtClean="0"/>
+              <a:t>１．プルを押す</a:t>
+            </a:r>
+            <a:endParaRPr kumimoji="1" lang="en-US" altLang="ja-JP" dirty="0" smtClean="0"/>
+          </a:p>
+        </p:txBody>
+      </p:sp>
+    </p:spTree>
+    <p:extLst>
+      <p:ext uri="{BB962C8B-B14F-4D97-AF65-F5344CB8AC3E}">
+        <p14:creationId xmlns:p14="http://schemas.microsoft.com/office/powerpoint/2010/main" val="3027032897"/>
       </p:ext>
     </p:extLst>
   </p:cSld>
@@ -4549,6 +4711,481 @@
     <p:extLst>
       <p:ext uri="{BB962C8B-B14F-4D97-AF65-F5344CB8AC3E}">
         <p14:creationId xmlns:p14="http://schemas.microsoft.com/office/powerpoint/2010/main" val="16796296"/>
+      </p:ext>
+    </p:extLst>
+  </p:cSld>
+  <p:clrMapOvr>
+    <a:masterClrMapping/>
+  </p:clrMapOvr>
+</p:sld>
+</file>
+
+<file path=ppt/slides/slide20.xml><?xml version="1.0" encoding="utf-8"?>
+<p:sld xmlns:a="http://schemas.openxmlformats.org/drawingml/2006/main" xmlns:r="http://schemas.openxmlformats.org/officeDocument/2006/relationships" xmlns:p="http://schemas.openxmlformats.org/presentationml/2006/main">
+  <p:cSld>
+    <p:spTree>
+      <p:nvGrpSpPr>
+        <p:cNvPr id="1" name=""/>
+        <p:cNvGrpSpPr/>
+        <p:nvPr/>
+      </p:nvGrpSpPr>
+      <p:grpSpPr>
+        <a:xfrm>
+          <a:off x="0" y="0"/>
+          <a:ext cx="0" cy="0"/>
+          <a:chOff x="0" y="0"/>
+          <a:chExt cx="0" cy="0"/>
+        </a:xfrm>
+      </p:grpSpPr>
+      <p:sp>
+        <p:nvSpPr>
+          <p:cNvPr id="2" name="タイトル 1"/>
+          <p:cNvSpPr>
+            <a:spLocks noGrp="1"/>
+          </p:cNvSpPr>
+          <p:nvPr>
+            <p:ph type="title"/>
+          </p:nvPr>
+        </p:nvSpPr>
+        <p:spPr/>
+        <p:txBody>
+          <a:bodyPr/>
+          <a:lstStyle/>
+          <a:p>
+            <a:r>
+              <a:rPr lang="en-US" altLang="ja-JP" dirty="0" err="1"/>
+              <a:t>SourceTree</a:t>
+            </a:r>
+            <a:r>
+              <a:rPr lang="ja-JP" altLang="en-US" dirty="0"/>
+              <a:t>を使う</a:t>
+            </a:r>
+            <a:endParaRPr kumimoji="1" lang="ja-JP" altLang="en-US" dirty="0"/>
+          </a:p>
+        </p:txBody>
+      </p:sp>
+      <p:sp>
+        <p:nvSpPr>
+          <p:cNvPr id="3" name="コンテンツ プレースホルダー 2"/>
+          <p:cNvSpPr>
+            <a:spLocks noGrp="1"/>
+          </p:cNvSpPr>
+          <p:nvPr>
+            <p:ph idx="1"/>
+          </p:nvPr>
+        </p:nvSpPr>
+        <p:spPr>
+          <a:xfrm>
+            <a:off x="838200" y="1825625"/>
+            <a:ext cx="10515600" cy="1630639"/>
+          </a:xfrm>
+        </p:spPr>
+        <p:txBody>
+          <a:bodyPr/>
+          <a:lstStyle/>
+          <a:p>
+            <a:r>
+              <a:rPr kumimoji="1" lang="ja-JP" altLang="en-US" dirty="0" smtClean="0"/>
+              <a:t>ブランチ（リポジトリの分岐）</a:t>
+            </a:r>
+            <a:endParaRPr kumimoji="1" lang="en-US" altLang="ja-JP" dirty="0" smtClean="0"/>
+          </a:p>
+          <a:p>
+            <a:pPr marL="0" indent="0">
+              <a:buNone/>
+            </a:pPr>
+            <a:r>
+              <a:rPr lang="ja-JP" altLang="en-US" dirty="0" smtClean="0"/>
+              <a:t>１．ブランチを押す</a:t>
+            </a:r>
+            <a:endParaRPr lang="en-US" altLang="ja-JP" dirty="0" smtClean="0"/>
+          </a:p>
+          <a:p>
+            <a:pPr marL="0" indent="0">
+              <a:buNone/>
+            </a:pPr>
+            <a:r>
+              <a:rPr kumimoji="1" lang="ja-JP" altLang="en-US" dirty="0" smtClean="0"/>
+              <a:t>２．ブランチに名前をつける</a:t>
+            </a:r>
+            <a:endParaRPr kumimoji="1" lang="ja-JP" altLang="en-US" dirty="0"/>
+          </a:p>
+        </p:txBody>
+      </p:sp>
+      <p:pic>
+        <p:nvPicPr>
+          <p:cNvPr id="4" name="図 3"/>
+          <p:cNvPicPr>
+            <a:picLocks noChangeAspect="1"/>
+          </p:cNvPicPr>
+          <p:nvPr/>
+        </p:nvPicPr>
+        <p:blipFill>
+          <a:blip r:embed="rId2"/>
+          <a:stretch>
+            <a:fillRect/>
+          </a:stretch>
+        </p:blipFill>
+        <p:spPr>
+          <a:xfrm>
+            <a:off x="329009" y="3351984"/>
+            <a:ext cx="5766991" cy="3392765"/>
+          </a:xfrm>
+          <a:prstGeom prst="rect">
+            <a:avLst/>
+          </a:prstGeom>
+        </p:spPr>
+      </p:pic>
+      <p:pic>
+        <p:nvPicPr>
+          <p:cNvPr id="5" name="図 4"/>
+          <p:cNvPicPr>
+            <a:picLocks noChangeAspect="1"/>
+          </p:cNvPicPr>
+          <p:nvPr/>
+        </p:nvPicPr>
+        <p:blipFill>
+          <a:blip r:embed="rId3"/>
+          <a:stretch>
+            <a:fillRect/>
+          </a:stretch>
+        </p:blipFill>
+        <p:spPr>
+          <a:xfrm>
+            <a:off x="6292388" y="3351984"/>
+            <a:ext cx="5766992" cy="3392765"/>
+          </a:xfrm>
+          <a:prstGeom prst="rect">
+            <a:avLst/>
+          </a:prstGeom>
+        </p:spPr>
+      </p:pic>
+    </p:spTree>
+    <p:extLst>
+      <p:ext uri="{BB962C8B-B14F-4D97-AF65-F5344CB8AC3E}">
+        <p14:creationId xmlns:p14="http://schemas.microsoft.com/office/powerpoint/2010/main" val="2076153729"/>
+      </p:ext>
+    </p:extLst>
+  </p:cSld>
+  <p:clrMapOvr>
+    <a:masterClrMapping/>
+  </p:clrMapOvr>
+</p:sld>
+</file>
+
+<file path=ppt/slides/slide21.xml><?xml version="1.0" encoding="utf-8"?>
+<p:sld xmlns:a="http://schemas.openxmlformats.org/drawingml/2006/main" xmlns:r="http://schemas.openxmlformats.org/officeDocument/2006/relationships" xmlns:p="http://schemas.openxmlformats.org/presentationml/2006/main">
+  <p:cSld>
+    <p:spTree>
+      <p:nvGrpSpPr>
+        <p:cNvPr id="1" name=""/>
+        <p:cNvGrpSpPr/>
+        <p:nvPr/>
+      </p:nvGrpSpPr>
+      <p:grpSpPr>
+        <a:xfrm>
+          <a:off x="0" y="0"/>
+          <a:ext cx="0" cy="0"/>
+          <a:chOff x="0" y="0"/>
+          <a:chExt cx="0" cy="0"/>
+        </a:xfrm>
+      </p:grpSpPr>
+      <p:sp>
+        <p:nvSpPr>
+          <p:cNvPr id="2" name="タイトル 1"/>
+          <p:cNvSpPr>
+            <a:spLocks noGrp="1"/>
+          </p:cNvSpPr>
+          <p:nvPr>
+            <p:ph type="title"/>
+          </p:nvPr>
+        </p:nvSpPr>
+        <p:spPr/>
+        <p:txBody>
+          <a:bodyPr/>
+          <a:lstStyle/>
+          <a:p>
+            <a:r>
+              <a:rPr lang="en-US" altLang="ja-JP" dirty="0" err="1"/>
+              <a:t>SourceTree</a:t>
+            </a:r>
+            <a:r>
+              <a:rPr lang="ja-JP" altLang="en-US" dirty="0"/>
+              <a:t>を使う</a:t>
+            </a:r>
+            <a:endParaRPr kumimoji="1" lang="ja-JP" altLang="en-US" dirty="0"/>
+          </a:p>
+        </p:txBody>
+      </p:sp>
+      <p:sp>
+        <p:nvSpPr>
+          <p:cNvPr id="3" name="コンテンツ プレースホルダー 2"/>
+          <p:cNvSpPr>
+            <a:spLocks noGrp="1"/>
+          </p:cNvSpPr>
+          <p:nvPr>
+            <p:ph idx="1"/>
+          </p:nvPr>
+        </p:nvSpPr>
+        <p:spPr>
+          <a:xfrm>
+            <a:off x="838200" y="1825625"/>
+            <a:ext cx="10515600" cy="1991366"/>
+          </a:xfrm>
+        </p:spPr>
+        <p:txBody>
+          <a:bodyPr/>
+          <a:lstStyle/>
+          <a:p>
+            <a:r>
+              <a:rPr kumimoji="1" lang="ja-JP" altLang="en-US" dirty="0" smtClean="0"/>
+              <a:t>マージ（リポジトリの統合）</a:t>
+            </a:r>
+            <a:endParaRPr kumimoji="1" lang="en-US" altLang="ja-JP" dirty="0" smtClean="0"/>
+          </a:p>
+          <a:p>
+            <a:pPr marL="0" indent="0">
+              <a:buNone/>
+            </a:pPr>
+            <a:r>
+              <a:rPr lang="ja-JP" altLang="en-US" dirty="0" smtClean="0"/>
+              <a:t>１</a:t>
+            </a:r>
+            <a:r>
+              <a:rPr lang="en-US" altLang="ja-JP" dirty="0" smtClean="0"/>
+              <a:t>.</a:t>
+            </a:r>
+            <a:r>
+              <a:rPr lang="ja-JP" altLang="en-US" dirty="0" smtClean="0"/>
+              <a:t>統合の基にしたいブランチに切り替える</a:t>
+            </a:r>
+            <a:endParaRPr lang="en-US" altLang="ja-JP" dirty="0" smtClean="0"/>
+          </a:p>
+          <a:p>
+            <a:pPr marL="0" indent="0">
+              <a:buNone/>
+            </a:pPr>
+            <a:r>
+              <a:rPr kumimoji="1" lang="ja-JP" altLang="en-US" dirty="0" smtClean="0"/>
+              <a:t>２</a:t>
+            </a:r>
+            <a:r>
+              <a:rPr kumimoji="1" lang="en-US" altLang="ja-JP" dirty="0" smtClean="0"/>
+              <a:t>.</a:t>
+            </a:r>
+            <a:r>
+              <a:rPr kumimoji="1" lang="ja-JP" altLang="en-US" dirty="0" smtClean="0"/>
+              <a:t>統合したいブランチを右クリックし「現在のブランチに（統合したいブランチ）をマージ」を選択する</a:t>
+            </a:r>
+            <a:endParaRPr kumimoji="1" lang="ja-JP" altLang="en-US" dirty="0"/>
+          </a:p>
+        </p:txBody>
+      </p:sp>
+      <p:pic>
+        <p:nvPicPr>
+          <p:cNvPr id="4" name="図 3"/>
+          <p:cNvPicPr>
+            <a:picLocks noChangeAspect="1"/>
+          </p:cNvPicPr>
+          <p:nvPr/>
+        </p:nvPicPr>
+        <p:blipFill>
+          <a:blip r:embed="rId2"/>
+          <a:stretch>
+            <a:fillRect/>
+          </a:stretch>
+        </p:blipFill>
+        <p:spPr>
+          <a:xfrm>
+            <a:off x="3504677" y="3951928"/>
+            <a:ext cx="4490032" cy="2668318"/>
+          </a:xfrm>
+          <a:prstGeom prst="rect">
+            <a:avLst/>
+          </a:prstGeom>
+        </p:spPr>
+      </p:pic>
+    </p:spTree>
+    <p:extLst>
+      <p:ext uri="{BB962C8B-B14F-4D97-AF65-F5344CB8AC3E}">
+        <p14:creationId xmlns:p14="http://schemas.microsoft.com/office/powerpoint/2010/main" val="573597292"/>
+      </p:ext>
+    </p:extLst>
+  </p:cSld>
+  <p:clrMapOvr>
+    <a:masterClrMapping/>
+  </p:clrMapOvr>
+</p:sld>
+</file>
+
+<file path=ppt/slides/slide22.xml><?xml version="1.0" encoding="utf-8"?>
+<p:sld xmlns:a="http://schemas.openxmlformats.org/drawingml/2006/main" xmlns:r="http://schemas.openxmlformats.org/officeDocument/2006/relationships" xmlns:p="http://schemas.openxmlformats.org/presentationml/2006/main">
+  <p:cSld>
+    <p:spTree>
+      <p:nvGrpSpPr>
+        <p:cNvPr id="1" name=""/>
+        <p:cNvGrpSpPr/>
+        <p:nvPr/>
+      </p:nvGrpSpPr>
+      <p:grpSpPr>
+        <a:xfrm>
+          <a:off x="0" y="0"/>
+          <a:ext cx="0" cy="0"/>
+          <a:chOff x="0" y="0"/>
+          <a:chExt cx="0" cy="0"/>
+        </a:xfrm>
+      </p:grpSpPr>
+      <p:sp>
+        <p:nvSpPr>
+          <p:cNvPr id="2" name="タイトル 1"/>
+          <p:cNvSpPr>
+            <a:spLocks noGrp="1"/>
+          </p:cNvSpPr>
+          <p:nvPr>
+            <p:ph type="title"/>
+          </p:nvPr>
+        </p:nvSpPr>
+        <p:spPr/>
+        <p:txBody>
+          <a:bodyPr/>
+          <a:lstStyle/>
+          <a:p>
+            <a:r>
+              <a:rPr lang="en-US" altLang="ja-JP" dirty="0" err="1"/>
+              <a:t>SourceTree</a:t>
+            </a:r>
+            <a:r>
+              <a:rPr lang="ja-JP" altLang="en-US" dirty="0"/>
+              <a:t>を使う</a:t>
+            </a:r>
+            <a:endParaRPr kumimoji="1" lang="ja-JP" altLang="en-US" dirty="0"/>
+          </a:p>
+        </p:txBody>
+      </p:sp>
+      <p:sp>
+        <p:nvSpPr>
+          <p:cNvPr id="3" name="コンテンツ プレースホルダー 2"/>
+          <p:cNvSpPr>
+            <a:spLocks noGrp="1"/>
+          </p:cNvSpPr>
+          <p:nvPr>
+            <p:ph idx="1"/>
+          </p:nvPr>
+        </p:nvSpPr>
+        <p:spPr/>
+        <p:txBody>
+          <a:bodyPr/>
+          <a:lstStyle/>
+          <a:p>
+            <a:r>
+              <a:rPr kumimoji="1" lang="ja-JP" altLang="en-US" dirty="0" smtClean="0"/>
+              <a:t>コンフリクト（競合）の対処</a:t>
+            </a:r>
+            <a:endParaRPr kumimoji="1" lang="en-US" altLang="ja-JP" dirty="0" smtClean="0"/>
+          </a:p>
+          <a:p>
+            <a:pPr marL="0" indent="0">
+              <a:buNone/>
+            </a:pPr>
+            <a:r>
+              <a:rPr lang="ja-JP" altLang="en-US" dirty="0" smtClean="0"/>
+              <a:t>１</a:t>
+            </a:r>
+            <a:r>
+              <a:rPr lang="en-US" altLang="ja-JP" dirty="0" smtClean="0"/>
+              <a:t>.</a:t>
+            </a:r>
+            <a:r>
+              <a:rPr lang="ja-JP" altLang="en-US" dirty="0" smtClean="0"/>
+              <a:t>マージしたとき、二つのブランチの修正箇所が同じだった場合競合を起こすことがある</a:t>
+            </a:r>
+            <a:endParaRPr lang="en-US" altLang="ja-JP" dirty="0" smtClean="0"/>
+          </a:p>
+          <a:p>
+            <a:pPr marL="0" indent="0">
+              <a:buNone/>
+            </a:pPr>
+            <a:r>
+              <a:rPr kumimoji="1" lang="ja-JP" altLang="en-US" dirty="0" smtClean="0"/>
+              <a:t>２</a:t>
+            </a:r>
+            <a:r>
+              <a:rPr kumimoji="1" lang="en-US" altLang="ja-JP" dirty="0" smtClean="0"/>
+              <a:t>.</a:t>
+            </a:r>
+            <a:r>
+              <a:rPr kumimoji="1" lang="ja-JP" altLang="en-US" dirty="0" smtClean="0"/>
+              <a:t>この場合「自分のブランチ（統合したいブランチ）」「相手のブランチ（統合の基にしたいブランチ）」のどちらかを有効にすることができる</a:t>
+            </a:r>
+            <a:endParaRPr kumimoji="1" lang="ja-JP" altLang="en-US" dirty="0"/>
+          </a:p>
+        </p:txBody>
+      </p:sp>
+    </p:spTree>
+    <p:extLst>
+      <p:ext uri="{BB962C8B-B14F-4D97-AF65-F5344CB8AC3E}">
+        <p14:creationId xmlns:p14="http://schemas.microsoft.com/office/powerpoint/2010/main" val="424409935"/>
+      </p:ext>
+    </p:extLst>
+  </p:cSld>
+  <p:clrMapOvr>
+    <a:masterClrMapping/>
+  </p:clrMapOvr>
+</p:sld>
+</file>
+
+<file path=ppt/slides/slide23.xml><?xml version="1.0" encoding="utf-8"?>
+<p:sld xmlns:a="http://schemas.openxmlformats.org/drawingml/2006/main" xmlns:r="http://schemas.openxmlformats.org/officeDocument/2006/relationships" xmlns:p="http://schemas.openxmlformats.org/presentationml/2006/main">
+  <p:cSld>
+    <p:spTree>
+      <p:nvGrpSpPr>
+        <p:cNvPr id="1" name=""/>
+        <p:cNvGrpSpPr/>
+        <p:nvPr/>
+      </p:nvGrpSpPr>
+      <p:grpSpPr>
+        <a:xfrm>
+          <a:off x="0" y="0"/>
+          <a:ext cx="0" cy="0"/>
+          <a:chOff x="0" y="0"/>
+          <a:chExt cx="0" cy="0"/>
+        </a:xfrm>
+      </p:grpSpPr>
+      <p:sp>
+        <p:nvSpPr>
+          <p:cNvPr id="2" name="タイトル 1"/>
+          <p:cNvSpPr>
+            <a:spLocks noGrp="1"/>
+          </p:cNvSpPr>
+          <p:nvPr>
+            <p:ph type="title"/>
+          </p:nvPr>
+        </p:nvSpPr>
+        <p:spPr/>
+        <p:txBody>
+          <a:bodyPr/>
+          <a:lstStyle/>
+          <a:p>
+            <a:r>
+              <a:rPr kumimoji="1" lang="en-US" altLang="ja-JP" dirty="0" smtClean="0"/>
+              <a:t>The</a:t>
+            </a:r>
+            <a:r>
+              <a:rPr kumimoji="1" lang="ja-JP" altLang="en-US" dirty="0" smtClean="0"/>
+              <a:t> </a:t>
+            </a:r>
+            <a:r>
+              <a:rPr kumimoji="1" lang="en-US" altLang="ja-JP" dirty="0" smtClean="0"/>
+              <a:t>End</a:t>
+            </a:r>
+            <a:endParaRPr kumimoji="1" lang="ja-JP" altLang="en-US" dirty="0"/>
+          </a:p>
+        </p:txBody>
+      </p:sp>
+    </p:spTree>
+    <p:extLst>
+      <p:ext uri="{BB962C8B-B14F-4D97-AF65-F5344CB8AC3E}">
+        <p14:creationId xmlns:p14="http://schemas.microsoft.com/office/powerpoint/2010/main" val="385473495"/>
       </p:ext>
     </p:extLst>
   </p:cSld>
